--- a/trunk/Dot Project EAP/4. System Management/Apresentacoes/apresentacaoV8.pptx
+++ b/trunk/Dot Project EAP/4. System Management/Apresentacoes/apresentacaoV8.pptx
@@ -372,6 +372,11 @@
         </p:txBody>
       </p:sp>
     </p:spTree>
+    <p:extLst>
+      <p:ext uri="{BB962C8B-B14F-4D97-AF65-F5344CB8AC3E}">
+        <p14:creationId xmlns:p14="http://schemas.microsoft.com/office/powerpoint/2010/main" val="3595537806"/>
+      </p:ext>
+    </p:extLst>
   </p:cSld>
   <p:clrMap bg1="lt1" tx1="dk1" bg2="lt2" tx2="dk2" accent1="accent1" accent2="accent2" accent3="accent3" accent4="accent4" accent5="accent5" accent6="accent6" hlink="hlink" folHlink="folHlink"/>
   <p:notesStyle>
@@ -3525,49 +3530,7 @@
                 <a:ea typeface="Tahoma" pitchFamily="34" charset="0"/>
                 <a:cs typeface="Arial" pitchFamily="34" charset="0"/>
               </a:rPr>
-              <a:t>	</a:t>
-            </a:r>
-            <a:r>
-              <a:rPr lang="pt-BR" dirty="0" smtClean="0">
-                <a:solidFill>
-                  <a:schemeClr val="tx1">
-                    <a:lumMod val="50000"/>
-                    <a:lumOff val="50000"/>
-                  </a:schemeClr>
-                </a:solidFill>
-                <a:latin typeface="Arial" pitchFamily="34" charset="0"/>
-                <a:ea typeface="Tahoma" pitchFamily="34" charset="0"/>
-                <a:cs typeface="Arial" pitchFamily="34" charset="0"/>
-              </a:rPr>
-              <a:t>Guilherme </a:t>
-            </a:r>
-            <a:r>
-              <a:rPr lang="pt-BR" dirty="0" err="1" smtClean="0">
-                <a:solidFill>
-                  <a:schemeClr val="tx1">
-                    <a:lumMod val="50000"/>
-                    <a:lumOff val="50000"/>
-                  </a:schemeClr>
-                </a:solidFill>
-                <a:latin typeface="Arial" pitchFamily="34" charset="0"/>
-                <a:ea typeface="Tahoma" pitchFamily="34" charset="0"/>
-                <a:cs typeface="Arial" pitchFamily="34" charset="0"/>
-              </a:rPr>
-              <a:t>Calixto</a:t>
-            </a:r>
-            <a:r>
-              <a:rPr lang="pt-BR" dirty="0" smtClean="0">
-                <a:solidFill>
-                  <a:schemeClr val="tx1">
-                    <a:lumMod val="50000"/>
-                    <a:lumOff val="50000"/>
-                  </a:schemeClr>
-                </a:solidFill>
-                <a:latin typeface="Arial" pitchFamily="34" charset="0"/>
-                <a:ea typeface="Tahoma" pitchFamily="34" charset="0"/>
-                <a:cs typeface="Arial" pitchFamily="34" charset="0"/>
-              </a:rPr>
-              <a:t/>
+              <a:t>	Guilherme Calixto</a:t>
             </a:r>
             <a:br>
               <a:rPr lang="pt-BR" dirty="0" smtClean="0">
@@ -4835,21 +4798,7 @@
                 <a:latin typeface="Arial" pitchFamily="34" charset="0"/>
                 <a:cs typeface="Arial" pitchFamily="34" charset="0"/>
               </a:rPr>
-              <a:t>Obter conhecimento diversificado sobre gerenciamento de projetos tradicionais e ágeis além de</a:t>
-            </a:r>
-            <a:r>
-              <a:rPr lang="pt-BR" sz="2800" dirty="0" smtClean="0">
-                <a:latin typeface="Arial" pitchFamily="34" charset="0"/>
-                <a:cs typeface="Arial" pitchFamily="34" charset="0"/>
-              </a:rPr>
-              <a:t> gestão estratégica</a:t>
-            </a:r>
-            <a:r>
-              <a:rPr lang="pt-BR" sz="2800" dirty="0" smtClean="0">
-                <a:latin typeface="Arial" pitchFamily="34" charset="0"/>
-                <a:cs typeface="Arial" pitchFamily="34" charset="0"/>
-              </a:rPr>
-              <a:t>;</a:t>
+              <a:t>Obter conhecimento diversificado sobre gerenciamento de projetos tradicionais e ágeis além de gestão estratégica;</a:t>
             </a:r>
           </a:p>
           <a:p>
@@ -4907,7 +4856,15 @@
           <a:p>
             <a:r>
               <a:rPr lang="pt-BR" dirty="0" smtClean="0"/>
-              <a:t>Gestão de Portfólios e Projetos de Software – Professor </a:t>
+              <a:t>Gestão de Portfólios e Projetos de Software </a:t>
+            </a:r>
+            <a:r>
+              <a:rPr lang="pt-BR" dirty="0" smtClean="0"/>
+              <a:t> </a:t>
+            </a:r>
+            <a:r>
+              <a:rPr lang="pt-BR" dirty="0" smtClean="0"/>
+              <a:t>Professor </a:t>
             </a:r>
             <a:r>
               <a:rPr lang="pt-BR" dirty="0" err="1" smtClean="0"/>
@@ -5159,7 +5116,15 @@
           <a:p>
             <a:r>
               <a:rPr lang="pt-BR" dirty="0" smtClean="0"/>
-              <a:t>Gestão de Portfólios e Projetos de Software – Professor </a:t>
+              <a:t>Gestão de Portfólios e Projetos de Software </a:t>
+            </a:r>
+            <a:r>
+              <a:rPr lang="pt-BR" dirty="0" smtClean="0"/>
+              <a:t> </a:t>
+            </a:r>
+            <a:r>
+              <a:rPr lang="pt-BR" dirty="0" smtClean="0"/>
+              <a:t>Professor </a:t>
             </a:r>
             <a:r>
               <a:rPr lang="pt-BR" dirty="0" err="1" smtClean="0"/>
@@ -5307,10 +5272,30 @@
           </a:xfrm>
         </p:spPr>
         <p:txBody>
-          <a:bodyPr/>
-          <a:lstStyle/>
-          <a:p>
-            <a:endParaRPr lang="pt-BR" dirty="0"/>
+          <a:bodyPr>
+            <a:normAutofit/>
+          </a:bodyPr>
+          <a:lstStyle/>
+          <a:p>
+            <a:r>
+              <a:rPr lang="pt-BR" dirty="0" err="1" smtClean="0"/>
+              <a:t>PMBoK</a:t>
+            </a:r>
+            <a:endParaRPr lang="pt-BR" dirty="0" smtClean="0"/>
+          </a:p>
+          <a:p>
+            <a:r>
+              <a:rPr lang="pt-BR" dirty="0" smtClean="0"/>
+              <a:t>RUP</a:t>
+            </a:r>
+            <a:endParaRPr lang="pt-BR" dirty="0" smtClean="0"/>
+          </a:p>
+          <a:p>
+            <a:r>
+              <a:rPr lang="en-US" dirty="0" smtClean="0"/>
+              <a:t>Scrum</a:t>
+            </a:r>
+            <a:endParaRPr lang="pt-BR" dirty="0" smtClean="0"/>
           </a:p>
         </p:txBody>
       </p:sp>
@@ -5354,7 +5339,11 @@
           <a:p>
             <a:r>
               <a:rPr lang="pt-BR" dirty="0" smtClean="0"/>
-              <a:t>Gestão de Portfólios e Projetos de Software – Professor </a:t>
+              <a:t>Gestão de Portfólios e Projetos de Software </a:t>
+            </a:r>
+            <a:r>
+              <a:rPr lang="pt-BR" dirty="0" smtClean="0"/>
+              <a:t>Professor </a:t>
             </a:r>
             <a:r>
               <a:rPr lang="pt-BR" dirty="0" err="1" smtClean="0"/>
@@ -5495,12 +5484,39 @@
             <p:ph idx="1"/>
           </p:nvPr>
         </p:nvSpPr>
-        <p:spPr/>
-        <p:txBody>
-          <a:bodyPr/>
-          <a:lstStyle/>
-          <a:p>
-            <a:endParaRPr lang="pt-BR" dirty="0"/>
+        <p:spPr>
+          <a:xfrm>
+            <a:off x="395536" y="1772816"/>
+            <a:ext cx="8229600" cy="4525963"/>
+          </a:xfrm>
+        </p:spPr>
+        <p:txBody>
+          <a:bodyPr/>
+          <a:lstStyle/>
+          <a:p>
+            <a:r>
+              <a:rPr lang="pt-BR" dirty="0" smtClean="0"/>
+              <a:t>Criar indicadores do projeto baseando-os na gerencia de projetos</a:t>
+            </a:r>
+          </a:p>
+          <a:p>
+            <a:r>
+              <a:rPr lang="pt-BR" dirty="0" smtClean="0"/>
+              <a:t>Criar uma EAP dentro do </a:t>
+            </a:r>
+            <a:r>
+              <a:rPr lang="pt-BR" dirty="0" err="1" smtClean="0"/>
+              <a:t>DotProject</a:t>
+            </a:r>
+            <a:r>
+              <a:rPr lang="pt-BR" dirty="0" smtClean="0"/>
+              <a:t>, obedecendo os critérios de aceitação do </a:t>
+            </a:r>
+            <a:r>
+              <a:rPr lang="en-US" dirty="0" smtClean="0"/>
+              <a:t>product owner</a:t>
+            </a:r>
+            <a:endParaRPr lang="en-US" dirty="0"/>
           </a:p>
         </p:txBody>
       </p:sp>
@@ -5544,7 +5560,15 @@
           <a:p>
             <a:r>
               <a:rPr lang="pt-BR" dirty="0" smtClean="0"/>
-              <a:t>Gestão de Portfólios e Projetos de Software – Professor </a:t>
+              <a:t>Gestão de Portfólios e Projetos de </a:t>
+            </a:r>
+            <a:r>
+              <a:rPr lang="pt-BR" dirty="0" smtClean="0"/>
+              <a:t>Software </a:t>
+            </a:r>
+            <a:r>
+              <a:rPr lang="pt-BR" dirty="0" smtClean="0"/>
+              <a:t>Professor </a:t>
             </a:r>
             <a:r>
               <a:rPr lang="pt-BR" dirty="0" err="1" smtClean="0"/>
@@ -5685,10 +5709,86 @@
             <p:ph idx="1"/>
           </p:nvPr>
         </p:nvSpPr>
-        <p:spPr/>
-        <p:txBody>
-          <a:bodyPr/>
-          <a:lstStyle/>
+        <p:spPr>
+          <a:xfrm>
+            <a:off x="467544" y="1772816"/>
+            <a:ext cx="8229600" cy="4525963"/>
+          </a:xfrm>
+        </p:spPr>
+        <p:txBody>
+          <a:bodyPr/>
+          <a:lstStyle/>
+          <a:p>
+            <a:r>
+              <a:rPr lang="pt-BR" dirty="0" smtClean="0"/>
+              <a:t>Repositório solido, com aplicações de gerência de configuraç</a:t>
+            </a:r>
+            <a:r>
+              <a:rPr lang="pt-BR" dirty="0" smtClean="0"/>
+              <a:t>ão</a:t>
+            </a:r>
+          </a:p>
+          <a:p>
+            <a:r>
+              <a:rPr lang="en-US" dirty="0" smtClean="0"/>
+              <a:t>Site com o </a:t>
+            </a:r>
+            <a:r>
+              <a:rPr lang="pt-BR" dirty="0" smtClean="0"/>
+              <a:t>projeto</a:t>
+            </a:r>
+            <a:r>
+              <a:rPr lang="en-US" dirty="0" smtClean="0"/>
+              <a:t> </a:t>
+            </a:r>
+            <a:r>
+              <a:rPr lang="en-US" dirty="0" err="1" smtClean="0"/>
+              <a:t>hospedado</a:t>
+            </a:r>
+            <a:r>
+              <a:rPr lang="en-US" dirty="0" smtClean="0"/>
+              <a:t> </a:t>
+            </a:r>
+            <a:r>
+              <a:rPr lang="en-US" dirty="0" err="1" smtClean="0"/>
+              <a:t>na</a:t>
+            </a:r>
+            <a:r>
+              <a:rPr lang="en-US" dirty="0" smtClean="0"/>
+              <a:t> internet</a:t>
+            </a:r>
+          </a:p>
+          <a:p>
+            <a:r>
+              <a:rPr lang="en-US" dirty="0" err="1" smtClean="0"/>
+              <a:t>Criada</a:t>
+            </a:r>
+            <a:r>
+              <a:rPr lang="en-US" dirty="0" smtClean="0"/>
+              <a:t> </a:t>
+            </a:r>
+            <a:r>
+              <a:rPr lang="en-US" dirty="0" err="1" smtClean="0"/>
+              <a:t>uma</a:t>
+            </a:r>
+            <a:r>
+              <a:rPr lang="en-US" dirty="0" smtClean="0"/>
+              <a:t> EAP </a:t>
+            </a:r>
+            <a:r>
+              <a:rPr lang="en-US" dirty="0" err="1" smtClean="0"/>
+              <a:t>dentro</a:t>
+            </a:r>
+            <a:r>
+              <a:rPr lang="en-US" dirty="0" smtClean="0"/>
+              <a:t> do </a:t>
+            </a:r>
+            <a:r>
+              <a:rPr lang="en-US" dirty="0" err="1" smtClean="0"/>
+              <a:t>DotProject</a:t>
+            </a:r>
+            <a:endParaRPr lang="pt-BR" dirty="0" smtClean="0"/>
+          </a:p>
           <a:p>
             <a:endParaRPr lang="pt-BR" dirty="0"/>
           </a:p>
@@ -5875,11 +5975,38 @@
             <p:ph idx="1"/>
           </p:nvPr>
         </p:nvSpPr>
-        <p:spPr/>
-        <p:txBody>
-          <a:bodyPr/>
-          <a:lstStyle/>
-          <a:p>
+        <p:spPr>
+          <a:xfrm>
+            <a:off x="395536" y="1844824"/>
+            <a:ext cx="8229600" cy="4525963"/>
+          </a:xfrm>
+        </p:spPr>
+        <p:txBody>
+          <a:bodyPr/>
+          <a:lstStyle/>
+          <a:p>
+            <a:r>
+              <a:rPr lang="pt-BR" dirty="0" smtClean="0"/>
+              <a:t>Trabalho em grupo</a:t>
+            </a:r>
+          </a:p>
+          <a:p>
+            <a:r>
+              <a:rPr lang="pt-BR" dirty="0" smtClean="0"/>
+              <a:t>Entender as necessidades do </a:t>
+            </a:r>
+            <a:r>
+              <a:rPr lang="pt-BR" dirty="0" err="1" smtClean="0"/>
+              <a:t>product</a:t>
+            </a:r>
+            <a:r>
+              <a:rPr lang="pt-BR" dirty="0" smtClean="0"/>
+              <a:t> </a:t>
+            </a:r>
+            <a:r>
+              <a:rPr lang="pt-BR" dirty="0" err="1" smtClean="0"/>
+              <a:t>owner</a:t>
+            </a:r>
             <a:endParaRPr lang="pt-BR" dirty="0"/>
           </a:p>
         </p:txBody>

--- a/trunk/Dot Project EAP/4. System Management/Apresentacoes/apresentacaoV8.pptx
+++ b/trunk/Dot Project EAP/4. System Management/Apresentacoes/apresentacaoV8.pptx
@@ -5,22 +5,24 @@
     <p:sldMasterId id="2147483648" r:id="rId1"/>
   </p:sldMasterIdLst>
   <p:notesMasterIdLst>
-    <p:notesMasterId r:id="rId15"/>
+    <p:notesMasterId r:id="rId17"/>
   </p:notesMasterIdLst>
   <p:sldIdLst>
     <p:sldId id="256" r:id="rId2"/>
     <p:sldId id="257" r:id="rId3"/>
     <p:sldId id="276" r:id="rId4"/>
     <p:sldId id="258" r:id="rId5"/>
-    <p:sldId id="263" r:id="rId6"/>
-    <p:sldId id="277" r:id="rId7"/>
-    <p:sldId id="278" r:id="rId8"/>
-    <p:sldId id="279" r:id="rId9"/>
-    <p:sldId id="280" r:id="rId10"/>
-    <p:sldId id="281" r:id="rId11"/>
-    <p:sldId id="283" r:id="rId12"/>
-    <p:sldId id="282" r:id="rId13"/>
-    <p:sldId id="284" r:id="rId14"/>
+    <p:sldId id="285" r:id="rId6"/>
+    <p:sldId id="263" r:id="rId7"/>
+    <p:sldId id="277" r:id="rId8"/>
+    <p:sldId id="286" r:id="rId9"/>
+    <p:sldId id="278" r:id="rId10"/>
+    <p:sldId id="279" r:id="rId11"/>
+    <p:sldId id="280" r:id="rId12"/>
+    <p:sldId id="281" r:id="rId13"/>
+    <p:sldId id="283" r:id="rId14"/>
+    <p:sldId id="282" r:id="rId15"/>
+    <p:sldId id="284" r:id="rId16"/>
   </p:sldIdLst>
   <p:sldSz cx="9144000" cy="6858000" type="screen4x3"/>
   <p:notesSz cx="6858000" cy="9144000"/>
@@ -204,7 +206,8 @@
           <a:p>
             <a:fld id="{6883E411-E7AF-4C59-96A5-6E7B3C18B967}" type="datetimeFigureOut">
               <a:rPr lang="pt-BR" smtClean="0"/>
-              <a:t>15/12/2011</a:t>
+              <a:pPr/>
+              <a:t>16/12/2011</a:t>
             </a:fld>
             <a:endParaRPr lang="pt-BR"/>
           </a:p>
@@ -365,6 +368,7 @@
           <a:p>
             <a:fld id="{EE51D3B0-9083-417D-AF83-AFE4AC9B1112}" type="slidenum">
               <a:rPr lang="pt-BR" smtClean="0"/>
+              <a:pPr/>
               <a:t>‹nº›</a:t>
             </a:fld>
             <a:endParaRPr lang="pt-BR"/>
@@ -374,7 +378,7 @@
     </p:spTree>
     <p:extLst>
       <p:ext uri="{BB962C8B-B14F-4D97-AF65-F5344CB8AC3E}">
-        <p14:creationId xmlns:p14="http://schemas.microsoft.com/office/powerpoint/2010/main" val="3595537806"/>
+        <p14:creationId xmlns:p14="http://schemas.microsoft.com/office/powerpoint/2010/main" xmlns="" val="3595537806"/>
       </p:ext>
     </p:extLst>
   </p:cSld>
@@ -655,7 +659,8 @@
           <a:p>
             <a:fld id="{57AEF499-6CC9-407B-ABF2-D839DE8F23CB}" type="datetime1">
               <a:rPr lang="pt-BR" smtClean="0"/>
-              <a:t>15/12/2011</a:t>
+              <a:pPr/>
+              <a:t>16/12/2011</a:t>
             </a:fld>
             <a:endParaRPr lang="pt-BR"/>
           </a:p>
@@ -701,6 +706,7 @@
           <a:p>
             <a:fld id="{20AE8CE9-7D6B-48A1-9568-F9C6965C27DC}" type="slidenum">
               <a:rPr lang="pt-BR" smtClean="0"/>
+              <a:pPr/>
               <a:t>‹nº›</a:t>
             </a:fld>
             <a:endParaRPr lang="pt-BR"/>
@@ -824,7 +830,8 @@
           <a:p>
             <a:fld id="{CF7C9A87-8CE4-43F4-92A0-E817F913E9DF}" type="datetime1">
               <a:rPr lang="pt-BR" smtClean="0"/>
-              <a:t>15/12/2011</a:t>
+              <a:pPr/>
+              <a:t>16/12/2011</a:t>
             </a:fld>
             <a:endParaRPr lang="pt-BR"/>
           </a:p>
@@ -870,6 +877,7 @@
           <a:p>
             <a:fld id="{20AE8CE9-7D6B-48A1-9568-F9C6965C27DC}" type="slidenum">
               <a:rPr lang="pt-BR" smtClean="0"/>
+              <a:pPr/>
               <a:t>‹nº›</a:t>
             </a:fld>
             <a:endParaRPr lang="pt-BR"/>
@@ -1003,7 +1011,8 @@
           <a:p>
             <a:fld id="{7ED60DDC-9025-4211-92D0-D0ED61A6D90C}" type="datetime1">
               <a:rPr lang="pt-BR" smtClean="0"/>
-              <a:t>15/12/2011</a:t>
+              <a:pPr/>
+              <a:t>16/12/2011</a:t>
             </a:fld>
             <a:endParaRPr lang="pt-BR"/>
           </a:p>
@@ -1049,6 +1058,7 @@
           <a:p>
             <a:fld id="{20AE8CE9-7D6B-48A1-9568-F9C6965C27DC}" type="slidenum">
               <a:rPr lang="pt-BR" smtClean="0"/>
+              <a:pPr/>
               <a:t>‹nº›</a:t>
             </a:fld>
             <a:endParaRPr lang="pt-BR"/>
@@ -1172,7 +1182,8 @@
           <a:p>
             <a:fld id="{45E138E2-C847-4CD6-B294-B14552F5BEAE}" type="datetime1">
               <a:rPr lang="pt-BR" smtClean="0"/>
-              <a:t>15/12/2011</a:t>
+              <a:pPr/>
+              <a:t>16/12/2011</a:t>
             </a:fld>
             <a:endParaRPr lang="pt-BR"/>
           </a:p>
@@ -1218,6 +1229,7 @@
           <a:p>
             <a:fld id="{20AE8CE9-7D6B-48A1-9568-F9C6965C27DC}" type="slidenum">
               <a:rPr lang="pt-BR" smtClean="0"/>
+              <a:pPr/>
               <a:t>‹nº›</a:t>
             </a:fld>
             <a:endParaRPr lang="pt-BR"/>
@@ -1417,7 +1429,8 @@
           <a:p>
             <a:fld id="{C839C1EB-A529-4AF6-830B-2ED29063CA71}" type="datetime1">
               <a:rPr lang="pt-BR" smtClean="0"/>
-              <a:t>15/12/2011</a:t>
+              <a:pPr/>
+              <a:t>16/12/2011</a:t>
             </a:fld>
             <a:endParaRPr lang="pt-BR"/>
           </a:p>
@@ -1463,6 +1476,7 @@
           <a:p>
             <a:fld id="{20AE8CE9-7D6B-48A1-9568-F9C6965C27DC}" type="slidenum">
               <a:rPr lang="pt-BR" smtClean="0"/>
+              <a:pPr/>
               <a:t>‹nº›</a:t>
             </a:fld>
             <a:endParaRPr lang="pt-BR"/>
@@ -1704,7 +1718,8 @@
           <a:p>
             <a:fld id="{995F7954-518A-41CF-A022-4626A05C7E22}" type="datetime1">
               <a:rPr lang="pt-BR" smtClean="0"/>
-              <a:t>15/12/2011</a:t>
+              <a:pPr/>
+              <a:t>16/12/2011</a:t>
             </a:fld>
             <a:endParaRPr lang="pt-BR"/>
           </a:p>
@@ -1750,6 +1765,7 @@
           <a:p>
             <a:fld id="{20AE8CE9-7D6B-48A1-9568-F9C6965C27DC}" type="slidenum">
               <a:rPr lang="pt-BR" smtClean="0"/>
+              <a:pPr/>
               <a:t>‹nº›</a:t>
             </a:fld>
             <a:endParaRPr lang="pt-BR"/>
@@ -2125,7 +2141,8 @@
           <a:p>
             <a:fld id="{039BEC6D-12B0-415D-A6DD-007448257191}" type="datetime1">
               <a:rPr lang="pt-BR" smtClean="0"/>
-              <a:t>15/12/2011</a:t>
+              <a:pPr/>
+              <a:t>16/12/2011</a:t>
             </a:fld>
             <a:endParaRPr lang="pt-BR"/>
           </a:p>
@@ -2171,6 +2188,7 @@
           <a:p>
             <a:fld id="{20AE8CE9-7D6B-48A1-9568-F9C6965C27DC}" type="slidenum">
               <a:rPr lang="pt-BR" smtClean="0"/>
+              <a:pPr/>
               <a:t>‹nº›</a:t>
             </a:fld>
             <a:endParaRPr lang="pt-BR"/>
@@ -2242,7 +2260,8 @@
           <a:p>
             <a:fld id="{DE4063A2-DBC4-4986-90B1-B3B17643290D}" type="datetime1">
               <a:rPr lang="pt-BR" smtClean="0"/>
-              <a:t>15/12/2011</a:t>
+              <a:pPr/>
+              <a:t>16/12/2011</a:t>
             </a:fld>
             <a:endParaRPr lang="pt-BR"/>
           </a:p>
@@ -2288,6 +2307,7 @@
           <a:p>
             <a:fld id="{20AE8CE9-7D6B-48A1-9568-F9C6965C27DC}" type="slidenum">
               <a:rPr lang="pt-BR" smtClean="0"/>
+              <a:pPr/>
               <a:t>‹nº›</a:t>
             </a:fld>
             <a:endParaRPr lang="pt-BR"/>
@@ -2336,7 +2356,8 @@
           <a:p>
             <a:fld id="{50DBBCC5-FADC-4B8F-9FF4-7BD8A971A13D}" type="datetime1">
               <a:rPr lang="pt-BR" smtClean="0"/>
-              <a:t>15/12/2011</a:t>
+              <a:pPr/>
+              <a:t>16/12/2011</a:t>
             </a:fld>
             <a:endParaRPr lang="pt-BR"/>
           </a:p>
@@ -2382,6 +2403,7 @@
           <a:p>
             <a:fld id="{20AE8CE9-7D6B-48A1-9568-F9C6965C27DC}" type="slidenum">
               <a:rPr lang="pt-BR" smtClean="0"/>
+              <a:pPr/>
               <a:t>‹nº›</a:t>
             </a:fld>
             <a:endParaRPr lang="pt-BR"/>
@@ -2612,7 +2634,8 @@
           <a:p>
             <a:fld id="{00C3F5DA-5EEF-4DE1-B08B-52ADD3264746}" type="datetime1">
               <a:rPr lang="pt-BR" smtClean="0"/>
-              <a:t>15/12/2011</a:t>
+              <a:pPr/>
+              <a:t>16/12/2011</a:t>
             </a:fld>
             <a:endParaRPr lang="pt-BR"/>
           </a:p>
@@ -2658,6 +2681,7 @@
           <a:p>
             <a:fld id="{20AE8CE9-7D6B-48A1-9568-F9C6965C27DC}" type="slidenum">
               <a:rPr lang="pt-BR" smtClean="0"/>
+              <a:pPr/>
               <a:t>‹nº›</a:t>
             </a:fld>
             <a:endParaRPr lang="pt-BR"/>
@@ -2864,7 +2888,8 @@
           <a:p>
             <a:fld id="{6E000FF8-611F-4800-B78B-520D8890F4CB}" type="datetime1">
               <a:rPr lang="pt-BR" smtClean="0"/>
-              <a:t>15/12/2011</a:t>
+              <a:pPr/>
+              <a:t>16/12/2011</a:t>
             </a:fld>
             <a:endParaRPr lang="pt-BR"/>
           </a:p>
@@ -2910,6 +2935,7 @@
           <a:p>
             <a:fld id="{20AE8CE9-7D6B-48A1-9568-F9C6965C27DC}" type="slidenum">
               <a:rPr lang="pt-BR" smtClean="0"/>
+              <a:pPr/>
               <a:t>‹nº›</a:t>
             </a:fld>
             <a:endParaRPr lang="pt-BR"/>
@@ -3076,7 +3102,8 @@
           <a:p>
             <a:fld id="{B880A18E-1CB3-441D-9BFE-3DEDAE1C21F7}" type="datetime1">
               <a:rPr lang="pt-BR" smtClean="0"/>
-              <a:t>15/12/2011</a:t>
+              <a:pPr/>
+              <a:t>16/12/2011</a:t>
             </a:fld>
             <a:endParaRPr lang="pt-BR"/>
           </a:p>
@@ -3158,6 +3185,7 @@
           <a:p>
             <a:fld id="{20AE8CE9-7D6B-48A1-9568-F9C6965C27DC}" type="slidenum">
               <a:rPr lang="pt-BR" smtClean="0"/>
+              <a:pPr/>
               <a:t>‹nº›</a:t>
             </a:fld>
             <a:endParaRPr lang="pt-BR"/>
@@ -3847,6 +3875,7 @@
           <a:p>
             <a:fld id="{20AE8CE9-7D6B-48A1-9568-F9C6965C27DC}" type="slidenum">
               <a:rPr lang="pt-BR" smtClean="0"/>
+              <a:pPr/>
               <a:t>1</a:t>
             </a:fld>
             <a:endParaRPr lang="pt-BR"/>
@@ -3972,7 +4001,7 @@
           <a:p>
             <a:r>
               <a:rPr lang="pt-BR" dirty="0" smtClean="0"/>
-              <a:t>Lições Aprendidas</a:t>
+              <a:t>Decisões Erradas</a:t>
             </a:r>
             <a:endParaRPr lang="pt-BR" dirty="0"/>
           </a:p>
@@ -4014,6 +4043,7 @@
           <a:p>
             <a:fld id="{20AE8CE9-7D6B-48A1-9568-F9C6965C27DC}" type="slidenum">
               <a:rPr lang="pt-BR" smtClean="0"/>
+              <a:pPr/>
               <a:t>10</a:t>
             </a:fld>
             <a:endParaRPr lang="pt-BR"/>
@@ -4162,7 +4192,7 @@
           <a:p>
             <a:r>
               <a:rPr lang="pt-BR" dirty="0" smtClean="0"/>
-              <a:t>Lições Aprendidas</a:t>
+              <a:t>Êxitos</a:t>
             </a:r>
             <a:endParaRPr lang="pt-BR" dirty="0"/>
           </a:p>
@@ -4170,12 +4200,12 @@
       </p:sp>
       <p:sp>
         <p:nvSpPr>
-          <p:cNvPr id="3" name="Espaço Reservado para Conteúdo 2"/>
-          <p:cNvSpPr>
-            <a:spLocks noGrp="1"/>
-          </p:cNvSpPr>
-          <p:nvPr>
-            <p:ph idx="1"/>
+          <p:cNvPr id="4" name="Espaço Reservado para Número de Slide 3"/>
+          <p:cNvSpPr>
+            <a:spLocks noGrp="1"/>
+          </p:cNvSpPr>
+          <p:nvPr>
+            <p:ph type="sldNum" sz="quarter" idx="12"/>
           </p:nvPr>
         </p:nvSpPr>
         <p:spPr/>
@@ -4183,27 +4213,9 @@
           <a:bodyPr/>
           <a:lstStyle/>
           <a:p>
-            <a:endParaRPr lang="pt-BR" dirty="0"/>
-          </a:p>
-        </p:txBody>
-      </p:sp>
-      <p:sp>
-        <p:nvSpPr>
-          <p:cNvPr id="4" name="Espaço Reservado para Número de Slide 3"/>
-          <p:cNvSpPr>
-            <a:spLocks noGrp="1"/>
-          </p:cNvSpPr>
-          <p:nvPr>
-            <p:ph type="sldNum" sz="quarter" idx="12"/>
-          </p:nvPr>
-        </p:nvSpPr>
-        <p:spPr/>
-        <p:txBody>
-          <a:bodyPr/>
-          <a:lstStyle/>
-          <a:p>
             <a:fld id="{20AE8CE9-7D6B-48A1-9568-F9C6965C27DC}" type="slidenum">
               <a:rPr lang="pt-BR" smtClean="0"/>
+              <a:pPr/>
               <a:t>11</a:t>
             </a:fld>
             <a:endParaRPr lang="pt-BR"/>
@@ -4298,6 +4310,25 @@
           <a:effectLst/>
         </p:spPr>
       </p:pic>
+      <p:sp>
+        <p:nvSpPr>
+          <p:cNvPr id="11" name="Espaço Reservado para Conteúdo 10"/>
+          <p:cNvSpPr>
+            <a:spLocks noGrp="1"/>
+          </p:cNvSpPr>
+          <p:nvPr>
+            <p:ph idx="1"/>
+          </p:nvPr>
+        </p:nvSpPr>
+        <p:spPr/>
+        <p:txBody>
+          <a:bodyPr/>
+          <a:lstStyle/>
+          <a:p>
+            <a:endParaRPr lang="pt-BR"/>
+          </a:p>
+        </p:txBody>
+      </p:sp>
     </p:spTree>
   </p:cSld>
   <p:clrMapOvr>
@@ -4347,14 +4378,12 @@
           </a:xfrm>
         </p:spPr>
         <p:txBody>
-          <a:bodyPr>
-            <a:normAutofit fontScale="90000"/>
-          </a:bodyPr>
+          <a:bodyPr/>
           <a:lstStyle/>
           <a:p>
             <a:r>
               <a:rPr lang="pt-BR" dirty="0" smtClean="0"/>
-              <a:t>Estimativas e dificuldades relacionadas</a:t>
+              <a:t>Lições Aprendidas</a:t>
             </a:r>
             <a:endParaRPr lang="pt-BR" dirty="0"/>
           </a:p>
@@ -4370,12 +4399,7 @@
             <p:ph idx="1"/>
           </p:nvPr>
         </p:nvSpPr>
-        <p:spPr>
-          <a:xfrm>
-            <a:off x="457200" y="1855365"/>
-            <a:ext cx="8229600" cy="4525963"/>
-          </a:xfrm>
-        </p:spPr>
+        <p:spPr/>
         <p:txBody>
           <a:bodyPr/>
           <a:lstStyle/>
@@ -4401,6 +4425,7 @@
           <a:p>
             <a:fld id="{20AE8CE9-7D6B-48A1-9568-F9C6965C27DC}" type="slidenum">
               <a:rPr lang="pt-BR" smtClean="0"/>
+              <a:pPr/>
               <a:t>12</a:t>
             </a:fld>
             <a:endParaRPr lang="pt-BR"/>
@@ -4544,6 +4569,395 @@
           </a:xfrm>
         </p:spPr>
         <p:txBody>
+          <a:bodyPr/>
+          <a:lstStyle/>
+          <a:p>
+            <a:r>
+              <a:rPr lang="pt-BR" dirty="0" smtClean="0"/>
+              <a:t>Lições Aprendidas</a:t>
+            </a:r>
+            <a:endParaRPr lang="pt-BR" dirty="0"/>
+          </a:p>
+        </p:txBody>
+      </p:sp>
+      <p:sp>
+        <p:nvSpPr>
+          <p:cNvPr id="3" name="Espaço Reservado para Conteúdo 2"/>
+          <p:cNvSpPr>
+            <a:spLocks noGrp="1"/>
+          </p:cNvSpPr>
+          <p:nvPr>
+            <p:ph idx="1"/>
+          </p:nvPr>
+        </p:nvSpPr>
+        <p:spPr/>
+        <p:txBody>
+          <a:bodyPr/>
+          <a:lstStyle/>
+          <a:p>
+            <a:endParaRPr lang="pt-BR" dirty="0"/>
+          </a:p>
+        </p:txBody>
+      </p:sp>
+      <p:sp>
+        <p:nvSpPr>
+          <p:cNvPr id="4" name="Espaço Reservado para Número de Slide 3"/>
+          <p:cNvSpPr>
+            <a:spLocks noGrp="1"/>
+          </p:cNvSpPr>
+          <p:nvPr>
+            <p:ph type="sldNum" sz="quarter" idx="12"/>
+          </p:nvPr>
+        </p:nvSpPr>
+        <p:spPr/>
+        <p:txBody>
+          <a:bodyPr/>
+          <a:lstStyle/>
+          <a:p>
+            <a:fld id="{20AE8CE9-7D6B-48A1-9568-F9C6965C27DC}" type="slidenum">
+              <a:rPr lang="pt-BR" smtClean="0"/>
+              <a:pPr/>
+              <a:t>13</a:t>
+            </a:fld>
+            <a:endParaRPr lang="pt-BR"/>
+          </a:p>
+        </p:txBody>
+      </p:sp>
+      <p:sp>
+        <p:nvSpPr>
+          <p:cNvPr id="5" name="Espaço Reservado para Rodapé 4"/>
+          <p:cNvSpPr>
+            <a:spLocks noGrp="1"/>
+          </p:cNvSpPr>
+          <p:nvPr>
+            <p:ph type="ftr" sz="quarter" idx="11"/>
+          </p:nvPr>
+        </p:nvSpPr>
+        <p:spPr/>
+        <p:txBody>
+          <a:bodyPr/>
+          <a:lstStyle/>
+          <a:p>
+            <a:r>
+              <a:rPr lang="pt-BR" dirty="0" smtClean="0"/>
+              <a:t>Gestão de Portfólios e Projetos de Software – Professor </a:t>
+            </a:r>
+            <a:r>
+              <a:rPr lang="pt-BR" dirty="0" err="1" smtClean="0"/>
+              <a:t>Hilmer</a:t>
+            </a:r>
+            <a:r>
+              <a:rPr lang="pt-BR" dirty="0" smtClean="0"/>
+              <a:t> Neri – 2012/2 </a:t>
+            </a:r>
+            <a:endParaRPr lang="pt-BR" dirty="0"/>
+          </a:p>
+        </p:txBody>
+      </p:sp>
+      <p:pic>
+        <p:nvPicPr>
+          <p:cNvPr id="6" name="Imagem 5" descr="logounb2.png"/>
+          <p:cNvPicPr>
+            <a:picLocks noChangeAspect="1"/>
+          </p:cNvPicPr>
+          <p:nvPr/>
+        </p:nvPicPr>
+        <p:blipFill>
+          <a:blip r:embed="rId2" cstate="print"/>
+          <a:stretch>
+            <a:fillRect/>
+          </a:stretch>
+        </p:blipFill>
+        <p:spPr>
+          <a:xfrm>
+            <a:off x="1763688" y="70546"/>
+            <a:ext cx="6984776" cy="838173"/>
+          </a:xfrm>
+          <a:prstGeom prst="rect">
+            <a:avLst/>
+          </a:prstGeom>
+        </p:spPr>
+      </p:pic>
+      <p:pic>
+        <p:nvPicPr>
+          <p:cNvPr id="7" name="Picture 3"/>
+          <p:cNvPicPr>
+            <a:picLocks noChangeAspect="1" noChangeArrowheads="1"/>
+          </p:cNvPicPr>
+          <p:nvPr/>
+        </p:nvPicPr>
+        <p:blipFill>
+          <a:blip r:embed="rId3" cstate="print"/>
+          <a:srcRect/>
+          <a:stretch>
+            <a:fillRect/>
+          </a:stretch>
+        </p:blipFill>
+        <p:spPr bwMode="auto">
+          <a:xfrm>
+            <a:off x="269478" y="260648"/>
+            <a:ext cx="1278186" cy="587275"/>
+          </a:xfrm>
+          <a:prstGeom prst="rect">
+            <a:avLst/>
+          </a:prstGeom>
+          <a:noFill/>
+          <a:ln w="9525">
+            <a:noFill/>
+            <a:miter lim="800000"/>
+            <a:headEnd/>
+            <a:tailEnd/>
+          </a:ln>
+          <a:effectLst/>
+        </p:spPr>
+      </p:pic>
+    </p:spTree>
+  </p:cSld>
+  <p:clrMapOvr>
+    <a:masterClrMapping/>
+  </p:clrMapOvr>
+  <p:timing>
+    <p:tnLst>
+      <p:par>
+        <p:cTn id="1" dur="indefinite" restart="never" nodeType="tmRoot"/>
+      </p:par>
+    </p:tnLst>
+  </p:timing>
+</p:sld>
+</file>
+
+<file path=ppt/slides/slide14.xml><?xml version="1.0" encoding="utf-8"?>
+<p:sld xmlns:a="http://schemas.openxmlformats.org/drawingml/2006/main" xmlns:r="http://schemas.openxmlformats.org/officeDocument/2006/relationships" xmlns:p="http://schemas.openxmlformats.org/presentationml/2006/main">
+  <p:cSld>
+    <p:spTree>
+      <p:nvGrpSpPr>
+        <p:cNvPr id="1" name=""/>
+        <p:cNvGrpSpPr/>
+        <p:nvPr/>
+      </p:nvGrpSpPr>
+      <p:grpSpPr>
+        <a:xfrm>
+          <a:off x="0" y="0"/>
+          <a:ext cx="0" cy="0"/>
+          <a:chOff x="0" y="0"/>
+          <a:chExt cx="0" cy="0"/>
+        </a:xfrm>
+      </p:grpSpPr>
+      <p:sp>
+        <p:nvSpPr>
+          <p:cNvPr id="2" name="Título 1"/>
+          <p:cNvSpPr>
+            <a:spLocks noGrp="1"/>
+          </p:cNvSpPr>
+          <p:nvPr>
+            <p:ph type="title"/>
+          </p:nvPr>
+        </p:nvSpPr>
+        <p:spPr>
+          <a:xfrm>
+            <a:off x="457200" y="845840"/>
+            <a:ext cx="8229600" cy="1143000"/>
+          </a:xfrm>
+        </p:spPr>
+        <p:txBody>
+          <a:bodyPr>
+            <a:normAutofit fontScale="90000"/>
+          </a:bodyPr>
+          <a:lstStyle/>
+          <a:p>
+            <a:r>
+              <a:rPr lang="pt-BR" dirty="0" smtClean="0"/>
+              <a:t>Estimativas e dificuldades relacionadas</a:t>
+            </a:r>
+            <a:endParaRPr lang="pt-BR" dirty="0"/>
+          </a:p>
+        </p:txBody>
+      </p:sp>
+      <p:sp>
+        <p:nvSpPr>
+          <p:cNvPr id="3" name="Espaço Reservado para Conteúdo 2"/>
+          <p:cNvSpPr>
+            <a:spLocks noGrp="1"/>
+          </p:cNvSpPr>
+          <p:nvPr>
+            <p:ph idx="1"/>
+          </p:nvPr>
+        </p:nvSpPr>
+        <p:spPr>
+          <a:xfrm>
+            <a:off x="457200" y="1855365"/>
+            <a:ext cx="8229600" cy="4525963"/>
+          </a:xfrm>
+        </p:spPr>
+        <p:txBody>
+          <a:bodyPr/>
+          <a:lstStyle/>
+          <a:p>
+            <a:endParaRPr lang="pt-BR" dirty="0"/>
+          </a:p>
+        </p:txBody>
+      </p:sp>
+      <p:sp>
+        <p:nvSpPr>
+          <p:cNvPr id="4" name="Espaço Reservado para Número de Slide 3"/>
+          <p:cNvSpPr>
+            <a:spLocks noGrp="1"/>
+          </p:cNvSpPr>
+          <p:nvPr>
+            <p:ph type="sldNum" sz="quarter" idx="12"/>
+          </p:nvPr>
+        </p:nvSpPr>
+        <p:spPr/>
+        <p:txBody>
+          <a:bodyPr/>
+          <a:lstStyle/>
+          <a:p>
+            <a:fld id="{20AE8CE9-7D6B-48A1-9568-F9C6965C27DC}" type="slidenum">
+              <a:rPr lang="pt-BR" smtClean="0"/>
+              <a:pPr/>
+              <a:t>14</a:t>
+            </a:fld>
+            <a:endParaRPr lang="pt-BR"/>
+          </a:p>
+        </p:txBody>
+      </p:sp>
+      <p:sp>
+        <p:nvSpPr>
+          <p:cNvPr id="5" name="Espaço Reservado para Rodapé 4"/>
+          <p:cNvSpPr>
+            <a:spLocks noGrp="1"/>
+          </p:cNvSpPr>
+          <p:nvPr>
+            <p:ph type="ftr" sz="quarter" idx="11"/>
+          </p:nvPr>
+        </p:nvSpPr>
+        <p:spPr/>
+        <p:txBody>
+          <a:bodyPr/>
+          <a:lstStyle/>
+          <a:p>
+            <a:r>
+              <a:rPr lang="pt-BR" dirty="0" smtClean="0"/>
+              <a:t>Gestão de Portfólios e Projetos de Software – Professor </a:t>
+            </a:r>
+            <a:r>
+              <a:rPr lang="pt-BR" dirty="0" err="1" smtClean="0"/>
+              <a:t>Hilmer</a:t>
+            </a:r>
+            <a:r>
+              <a:rPr lang="pt-BR" dirty="0" smtClean="0"/>
+              <a:t> Neri – 2012/2 </a:t>
+            </a:r>
+            <a:endParaRPr lang="pt-BR" dirty="0"/>
+          </a:p>
+        </p:txBody>
+      </p:sp>
+      <p:pic>
+        <p:nvPicPr>
+          <p:cNvPr id="6" name="Imagem 5" descr="logounb2.png"/>
+          <p:cNvPicPr>
+            <a:picLocks noChangeAspect="1"/>
+          </p:cNvPicPr>
+          <p:nvPr/>
+        </p:nvPicPr>
+        <p:blipFill>
+          <a:blip r:embed="rId2" cstate="print"/>
+          <a:stretch>
+            <a:fillRect/>
+          </a:stretch>
+        </p:blipFill>
+        <p:spPr>
+          <a:xfrm>
+            <a:off x="1763688" y="70546"/>
+            <a:ext cx="6984776" cy="838173"/>
+          </a:xfrm>
+          <a:prstGeom prst="rect">
+            <a:avLst/>
+          </a:prstGeom>
+        </p:spPr>
+      </p:pic>
+      <p:pic>
+        <p:nvPicPr>
+          <p:cNvPr id="7" name="Picture 3"/>
+          <p:cNvPicPr>
+            <a:picLocks noChangeAspect="1" noChangeArrowheads="1"/>
+          </p:cNvPicPr>
+          <p:nvPr/>
+        </p:nvPicPr>
+        <p:blipFill>
+          <a:blip r:embed="rId3" cstate="print"/>
+          <a:srcRect/>
+          <a:stretch>
+            <a:fillRect/>
+          </a:stretch>
+        </p:blipFill>
+        <p:spPr bwMode="auto">
+          <a:xfrm>
+            <a:off x="269478" y="260648"/>
+            <a:ext cx="1278186" cy="587275"/>
+          </a:xfrm>
+          <a:prstGeom prst="rect">
+            <a:avLst/>
+          </a:prstGeom>
+          <a:noFill/>
+          <a:ln w="9525">
+            <a:noFill/>
+            <a:miter lim="800000"/>
+            <a:headEnd/>
+            <a:tailEnd/>
+          </a:ln>
+          <a:effectLst/>
+        </p:spPr>
+      </p:pic>
+    </p:spTree>
+  </p:cSld>
+  <p:clrMapOvr>
+    <a:masterClrMapping/>
+  </p:clrMapOvr>
+  <p:timing>
+    <p:tnLst>
+      <p:par>
+        <p:cTn id="1" dur="indefinite" restart="never" nodeType="tmRoot"/>
+      </p:par>
+    </p:tnLst>
+  </p:timing>
+</p:sld>
+</file>
+
+<file path=ppt/slides/slide15.xml><?xml version="1.0" encoding="utf-8"?>
+<p:sld xmlns:a="http://schemas.openxmlformats.org/drawingml/2006/main" xmlns:r="http://schemas.openxmlformats.org/officeDocument/2006/relationships" xmlns:p="http://schemas.openxmlformats.org/presentationml/2006/main">
+  <p:cSld>
+    <p:spTree>
+      <p:nvGrpSpPr>
+        <p:cNvPr id="1" name=""/>
+        <p:cNvGrpSpPr/>
+        <p:nvPr/>
+      </p:nvGrpSpPr>
+      <p:grpSpPr>
+        <a:xfrm>
+          <a:off x="0" y="0"/>
+          <a:ext cx="0" cy="0"/>
+          <a:chOff x="0" y="0"/>
+          <a:chExt cx="0" cy="0"/>
+        </a:xfrm>
+      </p:grpSpPr>
+      <p:sp>
+        <p:nvSpPr>
+          <p:cNvPr id="2" name="Título 1"/>
+          <p:cNvSpPr>
+            <a:spLocks noGrp="1"/>
+          </p:cNvSpPr>
+          <p:nvPr>
+            <p:ph type="title"/>
+          </p:nvPr>
+        </p:nvSpPr>
+        <p:spPr>
+          <a:xfrm>
+            <a:off x="457200" y="845840"/>
+            <a:ext cx="8229600" cy="1143000"/>
+          </a:xfrm>
+        </p:spPr>
+        <p:txBody>
           <a:bodyPr>
             <a:normAutofit/>
           </a:bodyPr>
@@ -4598,7 +5012,8 @@
           <a:p>
             <a:fld id="{20AE8CE9-7D6B-48A1-9568-F9C6965C27DC}" type="slidenum">
               <a:rPr lang="pt-BR" smtClean="0"/>
-              <a:t>13</a:t>
+              <a:pPr/>
+              <a:t>15</a:t>
             </a:fld>
             <a:endParaRPr lang="pt-BR"/>
           </a:p>
@@ -4786,7 +5201,7 @@
           <a:p>
             <a:r>
               <a:rPr lang="pt-BR" sz="2800" dirty="0" smtClean="0">
-                <a:latin typeface="Arial" pitchFamily="34" charset="0"/>
+                <a:latin typeface="+mj-lt"/>
                 <a:cs typeface="Arial" pitchFamily="34" charset="0"/>
               </a:rPr>
               <a:t>Aprender a gerenciar projetos de software em todos seus âmbitos;</a:t>
@@ -4795,7 +5210,7 @@
           <a:p>
             <a:r>
               <a:rPr lang="pt-BR" sz="2800" dirty="0" smtClean="0">
-                <a:latin typeface="Arial" pitchFamily="34" charset="0"/>
+                <a:latin typeface="+mj-lt"/>
                 <a:cs typeface="Arial" pitchFamily="34" charset="0"/>
               </a:rPr>
               <a:t>Obter conhecimento diversificado sobre gerenciamento de projetos tradicionais e ágeis além de gestão estratégica;</a:t>
@@ -4804,13 +5219,13 @@
           <a:p>
             <a:r>
               <a:rPr lang="pt-BR" sz="2800" dirty="0" smtClean="0">
-                <a:latin typeface="Arial" pitchFamily="34" charset="0"/>
+                <a:latin typeface="+mj-lt"/>
                 <a:cs typeface="Arial" pitchFamily="34" charset="0"/>
               </a:rPr>
               <a:t>Aplicar conhecimentos em projeto prático de extensão de ferramenta de gerenciamento de projetos;</a:t>
             </a:r>
             <a:endParaRPr lang="pt-BR" sz="2800" dirty="0">
-              <a:latin typeface="Arial" pitchFamily="34" charset="0"/>
+              <a:latin typeface="+mj-lt"/>
               <a:cs typeface="Arial" pitchFamily="34" charset="0"/>
             </a:endParaRPr>
           </a:p>
@@ -4833,6 +5248,7 @@
           <a:p>
             <a:fld id="{20AE8CE9-7D6B-48A1-9568-F9C6965C27DC}" type="slidenum">
               <a:rPr lang="pt-BR" smtClean="0"/>
+              <a:pPr/>
               <a:t>2</a:t>
             </a:fld>
             <a:endParaRPr lang="pt-BR"/>
@@ -4856,15 +5272,7 @@
           <a:p>
             <a:r>
               <a:rPr lang="pt-BR" dirty="0" smtClean="0"/>
-              <a:t>Gestão de Portfólios e Projetos de Software </a:t>
-            </a:r>
-            <a:r>
-              <a:rPr lang="pt-BR" dirty="0" smtClean="0"/>
-              <a:t> </a:t>
-            </a:r>
-            <a:r>
-              <a:rPr lang="pt-BR" dirty="0" smtClean="0"/>
-              <a:t>Professor </a:t>
+              <a:t>Gestão de Portfólios e Projetos de Software  Professor </a:t>
             </a:r>
             <a:r>
               <a:rPr lang="pt-BR" dirty="0" err="1" smtClean="0"/>
@@ -5029,7 +5437,7 @@
           <a:p>
             <a:r>
               <a:rPr lang="pt-BR" sz="2800" dirty="0" smtClean="0">
-                <a:latin typeface="Arial" pitchFamily="34" charset="0"/>
+                <a:latin typeface="+mj-lt"/>
                 <a:cs typeface="Arial" pitchFamily="34" charset="0"/>
               </a:rPr>
               <a:t>Estender ferramenta livre de gerenciamento de projetos para atender a um dos objetivos esperados do nível G do Modelo de Referência de Melhoria do Processo de Software Brasileiro (MR –MPS.BR);</a:t>
@@ -5038,21 +5446,21 @@
           <a:p>
             <a:r>
               <a:rPr lang="pt-BR" sz="2800" dirty="0" smtClean="0">
-                <a:latin typeface="Arial" pitchFamily="34" charset="0"/>
+                <a:latin typeface="+mj-lt"/>
                 <a:cs typeface="Arial" pitchFamily="34" charset="0"/>
               </a:rPr>
               <a:t>Ferramenta escolhida: </a:t>
             </a:r>
             <a:r>
               <a:rPr lang="pt-BR" sz="2800" dirty="0" err="1" smtClean="0">
-                <a:latin typeface="Arial" pitchFamily="34" charset="0"/>
+                <a:latin typeface="+mj-lt"/>
                 <a:cs typeface="Arial" pitchFamily="34" charset="0"/>
               </a:rPr>
               <a:t>dotProject</a:t>
             </a:r>
             <a:r>
               <a:rPr lang="pt-BR" sz="2800" dirty="0" smtClean="0">
-                <a:latin typeface="Arial" pitchFamily="34" charset="0"/>
+                <a:latin typeface="+mj-lt"/>
                 <a:cs typeface="Arial" pitchFamily="34" charset="0"/>
               </a:rPr>
               <a:t> 2.1.5</a:t>
@@ -5061,14 +5469,14 @@
           <a:p>
             <a:r>
               <a:rPr lang="pt-BR" sz="2800" dirty="0" smtClean="0">
-                <a:latin typeface="Arial" pitchFamily="34" charset="0"/>
+                <a:latin typeface="+mj-lt"/>
                 <a:cs typeface="Arial" pitchFamily="34" charset="0"/>
               </a:rPr>
               <a:t>Resultado MR-MPS.BR: </a:t>
             </a:r>
             <a:r>
               <a:rPr lang="pt-BR" sz="2800" i="1" dirty="0">
-                <a:latin typeface="Arial" pitchFamily="34" charset="0"/>
+                <a:latin typeface="+mj-lt"/>
                 <a:cs typeface="Arial" pitchFamily="34" charset="0"/>
               </a:rPr>
               <a:t>GPR1 - O escopo do trabalho para o projeto é definido </a:t>
@@ -5093,6 +5501,7 @@
           <a:p>
             <a:fld id="{20AE8CE9-7D6B-48A1-9568-F9C6965C27DC}" type="slidenum">
               <a:rPr lang="pt-BR" smtClean="0"/>
+              <a:pPr/>
               <a:t>3</a:t>
             </a:fld>
             <a:endParaRPr lang="pt-BR"/>
@@ -5116,15 +5525,7 @@
           <a:p>
             <a:r>
               <a:rPr lang="pt-BR" dirty="0" smtClean="0"/>
-              <a:t>Gestão de Portfólios e Projetos de Software </a:t>
-            </a:r>
-            <a:r>
-              <a:rPr lang="pt-BR" dirty="0" smtClean="0"/>
-              <a:t> </a:t>
-            </a:r>
-            <a:r>
-              <a:rPr lang="pt-BR" dirty="0" smtClean="0"/>
-              <a:t>Professor </a:t>
+              <a:t>Gestão de Portfólios e Projetos de Software  Professor </a:t>
             </a:r>
             <a:r>
               <a:rPr lang="pt-BR" dirty="0" err="1" smtClean="0"/>
@@ -5248,10 +5649,16 @@
           <a:lstStyle/>
           <a:p>
             <a:r>
-              <a:rPr lang="pt-BR" dirty="0" smtClean="0"/>
-              <a:t>Metodologia</a:t>
-            </a:r>
-            <a:endParaRPr lang="pt-BR" dirty="0"/>
+              <a:rPr lang="pt-BR" dirty="0" smtClean="0">
+                <a:latin typeface="Arial" pitchFamily="34" charset="0"/>
+                <a:cs typeface="Arial" pitchFamily="34" charset="0"/>
+              </a:rPr>
+              <a:t>Metodologia Projeto</a:t>
+            </a:r>
+            <a:endParaRPr lang="pt-BR" dirty="0">
+              <a:latin typeface="Arial" pitchFamily="34" charset="0"/>
+              <a:cs typeface="Arial" pitchFamily="34" charset="0"/>
+            </a:endParaRPr>
           </a:p>
         </p:txBody>
       </p:sp>
@@ -5268,12 +5675,12 @@
         <p:spPr>
           <a:xfrm>
             <a:off x="457200" y="1988840"/>
-            <a:ext cx="8229600" cy="4137323"/>
+            <a:ext cx="8229600" cy="4320480"/>
           </a:xfrm>
         </p:spPr>
         <p:txBody>
           <a:bodyPr>
-            <a:normAutofit/>
+            <a:normAutofit fontScale="92500" lnSpcReduction="10000"/>
           </a:bodyPr>
           <a:lstStyle/>
           <a:p>
@@ -5281,21 +5688,69 @@
               <a:rPr lang="pt-BR" dirty="0" err="1" smtClean="0"/>
               <a:t>PMBoK</a:t>
             </a:r>
-            <a:endParaRPr lang="pt-BR" dirty="0" smtClean="0"/>
-          </a:p>
-          <a:p>
             <a:r>
               <a:rPr lang="pt-BR" dirty="0" smtClean="0"/>
-              <a:t>RUP</a:t>
-            </a:r>
-            <a:endParaRPr lang="pt-BR" dirty="0" smtClean="0"/>
+              <a:t> – Início do projeto seguindo a maneira mais tradicional de gerencia de projetos;</a:t>
+            </a:r>
+          </a:p>
+          <a:p>
+            <a:pPr lvl="1"/>
+            <a:r>
+              <a:rPr lang="pt-BR" sz="2600" dirty="0" smtClean="0"/>
+              <a:t>Dificuldade: Inadequação a realidade do software;</a:t>
+            </a:r>
+          </a:p>
+          <a:p>
+            <a:pPr lvl="1"/>
+            <a:r>
+              <a:rPr lang="pt-BR" sz="2600" dirty="0" smtClean="0"/>
+              <a:t>Estimativas detalhadas sem dados para isso;</a:t>
+            </a:r>
+            <a:endParaRPr lang="pt-BR" sz="2600" dirty="0" smtClean="0"/>
           </a:p>
           <a:p>
             <a:r>
               <a:rPr lang="en-US" dirty="0" smtClean="0"/>
               <a:t>Scrum</a:t>
             </a:r>
-            <a:endParaRPr lang="pt-BR" dirty="0" smtClean="0"/>
+            <a:r>
+              <a:rPr lang="pt-BR" dirty="0" smtClean="0"/>
+              <a:t> </a:t>
+            </a:r>
+            <a:r>
+              <a:rPr lang="pt-BR" dirty="0" smtClean="0"/>
+              <a:t>– Melhor integração da equipe, estimativas mais precisas;</a:t>
+            </a:r>
+          </a:p>
+          <a:p>
+            <a:pPr lvl="1"/>
+            <a:r>
+              <a:rPr lang="pt-BR" sz="2600" dirty="0" smtClean="0"/>
+              <a:t>Dificuldade: Adaptação à nova metodologia;</a:t>
+            </a:r>
+          </a:p>
+          <a:p>
+            <a:pPr lvl="1"/>
+            <a:r>
+              <a:rPr lang="pt-BR" sz="2600" dirty="0" smtClean="0"/>
+              <a:t>Regras desconhecidas e </a:t>
+            </a:r>
+            <a:r>
+              <a:rPr lang="pt-BR" sz="2600" dirty="0" err="1" smtClean="0"/>
+              <a:t>mal-aplicadas</a:t>
+            </a:r>
+            <a:r>
+              <a:rPr lang="pt-BR" sz="2600" dirty="0" smtClean="0"/>
+              <a:t>;</a:t>
+            </a:r>
+          </a:p>
+          <a:p>
+            <a:pPr lvl="1"/>
+            <a:r>
+              <a:rPr lang="pt-BR" sz="2600" dirty="0" smtClean="0"/>
+              <a:t>Medidas sobre outros parâmetros (ausência de medida em tempo).</a:t>
+            </a:r>
+            <a:endParaRPr lang="pt-BR" sz="2600" dirty="0" smtClean="0"/>
           </a:p>
         </p:txBody>
       </p:sp>
@@ -5316,6 +5771,7 @@
           <a:p>
             <a:fld id="{20AE8CE9-7D6B-48A1-9568-F9C6965C27DC}" type="slidenum">
               <a:rPr lang="pt-BR" smtClean="0"/>
+              <a:pPr/>
               <a:t>4</a:t>
             </a:fld>
             <a:endParaRPr lang="pt-BR"/>
@@ -5339,11 +5795,7 @@
           <a:p>
             <a:r>
               <a:rPr lang="pt-BR" dirty="0" smtClean="0"/>
-              <a:t>Gestão de Portfólios e Projetos de Software </a:t>
-            </a:r>
-            <a:r>
-              <a:rPr lang="pt-BR" dirty="0" smtClean="0"/>
-              <a:t>Professor </a:t>
+              <a:t>Gestão de Portfólios e Projetos de Software Professor </a:t>
             </a:r>
             <a:r>
               <a:rPr lang="pt-BR" dirty="0" err="1" smtClean="0"/>
@@ -5467,56 +5919,153 @@
           <a:lstStyle/>
           <a:p>
             <a:r>
+              <a:rPr lang="pt-BR" dirty="0" smtClean="0">
+                <a:latin typeface="Arial" pitchFamily="34" charset="0"/>
+                <a:cs typeface="Arial" pitchFamily="34" charset="0"/>
+              </a:rPr>
+              <a:t>Metodologia Produto</a:t>
+            </a:r>
+            <a:endParaRPr lang="pt-BR" dirty="0">
+              <a:latin typeface="Arial" pitchFamily="34" charset="0"/>
+              <a:cs typeface="Arial" pitchFamily="34" charset="0"/>
+            </a:endParaRPr>
+          </a:p>
+        </p:txBody>
+      </p:sp>
+      <p:sp>
+        <p:nvSpPr>
+          <p:cNvPr id="3" name="Espaço Reservado para Conteúdo 2"/>
+          <p:cNvSpPr>
+            <a:spLocks noGrp="1"/>
+          </p:cNvSpPr>
+          <p:nvPr>
+            <p:ph idx="1"/>
+          </p:nvPr>
+        </p:nvSpPr>
+        <p:spPr>
+          <a:xfrm>
+            <a:off x="457200" y="1988840"/>
+            <a:ext cx="8229600" cy="4137323"/>
+          </a:xfrm>
+        </p:spPr>
+        <p:txBody>
+          <a:bodyPr>
+            <a:normAutofit fontScale="92500"/>
+          </a:bodyPr>
+          <a:lstStyle/>
+          <a:p>
+            <a:r>
               <a:rPr lang="pt-BR" dirty="0" smtClean="0"/>
-              <a:t>Resultados Esperados</a:t>
-            </a:r>
-            <a:endParaRPr lang="pt-BR" dirty="0"/>
-          </a:p>
-        </p:txBody>
-      </p:sp>
-      <p:sp>
-        <p:nvSpPr>
-          <p:cNvPr id="3" name="Espaço Reservado para Conteúdo 2"/>
-          <p:cNvSpPr>
-            <a:spLocks noGrp="1"/>
-          </p:cNvSpPr>
-          <p:nvPr>
-            <p:ph idx="1"/>
-          </p:nvPr>
-        </p:nvSpPr>
-        <p:spPr>
-          <a:xfrm>
-            <a:off x="395536" y="1772816"/>
-            <a:ext cx="8229600" cy="4525963"/>
-          </a:xfrm>
-        </p:spPr>
-        <p:txBody>
-          <a:bodyPr/>
-          <a:lstStyle/>
-          <a:p>
-            <a:r>
-              <a:rPr lang="pt-BR" dirty="0" smtClean="0"/>
-              <a:t>Criar indicadores do projeto baseando-os na gerencia de projetos</a:t>
-            </a:r>
-          </a:p>
-          <a:p>
-            <a:r>
-              <a:rPr lang="pt-BR" dirty="0" smtClean="0"/>
-              <a:t>Criar uma EAP dentro do </a:t>
-            </a:r>
-            <a:r>
-              <a:rPr lang="pt-BR" dirty="0" err="1" smtClean="0"/>
-              <a:t>DotProject</a:t>
-            </a:r>
-            <a:r>
-              <a:rPr lang="pt-BR" dirty="0" smtClean="0"/>
-              <a:t>, obedecendo os critérios de aceitação do </a:t>
-            </a:r>
+              <a:t>RUP – Utilizado para o gerenciamento de boa parte do projeto. Aplicação facilitada pela experiência da equipe.</a:t>
+            </a:r>
+          </a:p>
+          <a:p>
+            <a:pPr lvl="1"/>
+            <a:r>
+              <a:rPr lang="pt-BR" sz="2400" dirty="0" smtClean="0"/>
+              <a:t>Dificuldades: Muita burocracia e tratamento do produto como artefato. Equipe ficou desmotivada e boa parte dos documentos não eram lidos ou conhecidos pela equipe.</a:t>
+            </a:r>
+            <a:endParaRPr lang="pt-BR" sz="2400" dirty="0" smtClean="0"/>
+          </a:p>
+          <a:p>
             <a:r>
               <a:rPr lang="en-US" dirty="0" smtClean="0"/>
-              <a:t>product owner</a:t>
-            </a:r>
-            <a:endParaRPr lang="en-US" dirty="0"/>
+              <a:t>XP – </a:t>
+            </a:r>
+            <a:r>
+              <a:rPr lang="en-US" dirty="0" err="1" smtClean="0"/>
+              <a:t>Utilizado</a:t>
+            </a:r>
+            <a:r>
+              <a:rPr lang="en-US" dirty="0" smtClean="0"/>
+              <a:t> </a:t>
+            </a:r>
+            <a:r>
+              <a:rPr lang="en-US" dirty="0" err="1" smtClean="0"/>
+              <a:t>para</a:t>
+            </a:r>
+            <a:r>
+              <a:rPr lang="en-US" dirty="0" smtClean="0"/>
+              <a:t> a </a:t>
+            </a:r>
+            <a:r>
+              <a:rPr lang="en-US" dirty="0" err="1" smtClean="0"/>
+              <a:t>programação</a:t>
+            </a:r>
+            <a:r>
+              <a:rPr lang="en-US" dirty="0" smtClean="0"/>
+              <a:t> de boa parte do </a:t>
+            </a:r>
+            <a:r>
+              <a:rPr lang="en-US" dirty="0" err="1" smtClean="0"/>
+              <a:t>projeto</a:t>
+            </a:r>
+            <a:r>
+              <a:rPr lang="en-US" dirty="0" smtClean="0"/>
+              <a:t>. </a:t>
+            </a:r>
+            <a:r>
+              <a:rPr lang="en-US" dirty="0" err="1" smtClean="0"/>
+              <a:t>Foi</a:t>
+            </a:r>
+            <a:r>
+              <a:rPr lang="en-US" dirty="0" smtClean="0"/>
+              <a:t> </a:t>
+            </a:r>
+            <a:r>
+              <a:rPr lang="en-US" dirty="0" err="1" smtClean="0"/>
+              <a:t>utilizado</a:t>
+            </a:r>
+            <a:r>
+              <a:rPr lang="en-US" dirty="0" smtClean="0"/>
+              <a:t> de </a:t>
+            </a:r>
+            <a:r>
+              <a:rPr lang="en-US" dirty="0" err="1" smtClean="0"/>
+              <a:t>maneira</a:t>
+            </a:r>
+            <a:r>
+              <a:rPr lang="en-US" dirty="0" smtClean="0"/>
+              <a:t> “</a:t>
+            </a:r>
+            <a:r>
+              <a:rPr lang="en-US" dirty="0" err="1" smtClean="0"/>
+              <a:t>solta</a:t>
+            </a:r>
+            <a:r>
+              <a:rPr lang="en-US" dirty="0" smtClean="0"/>
+              <a:t>”, </a:t>
+            </a:r>
+            <a:r>
+              <a:rPr lang="en-US" dirty="0" err="1" smtClean="0"/>
+              <a:t>sendo</a:t>
+            </a:r>
+            <a:r>
+              <a:rPr lang="en-US" dirty="0" smtClean="0"/>
+              <a:t> boa parte via </a:t>
+            </a:r>
+            <a:r>
+              <a:rPr lang="en-US" dirty="0" err="1" smtClean="0"/>
+              <a:t>reuniões</a:t>
+            </a:r>
+            <a:r>
+              <a:rPr lang="en-US" dirty="0" smtClean="0"/>
+              <a:t> </a:t>
+            </a:r>
+            <a:r>
+              <a:rPr lang="en-US" dirty="0" err="1" smtClean="0"/>
+              <a:t>telepresenciais</a:t>
+            </a:r>
+            <a:r>
+              <a:rPr lang="en-US" dirty="0" smtClean="0"/>
+              <a:t>.</a:t>
+            </a:r>
+          </a:p>
+          <a:p>
+            <a:pPr>
+              <a:buNone/>
+            </a:pPr>
+            <a:endParaRPr lang="pt-BR" dirty="0" smtClean="0"/>
           </a:p>
         </p:txBody>
       </p:sp>
@@ -5537,6 +6086,7 @@
           <a:p>
             <a:fld id="{20AE8CE9-7D6B-48A1-9568-F9C6965C27DC}" type="slidenum">
               <a:rPr lang="pt-BR" smtClean="0"/>
+              <a:pPr/>
               <a:t>5</a:t>
             </a:fld>
             <a:endParaRPr lang="pt-BR"/>
@@ -5560,15 +6110,7 @@
           <a:p>
             <a:r>
               <a:rPr lang="pt-BR" dirty="0" smtClean="0"/>
-              <a:t>Gestão de Portfólios e Projetos de </a:t>
-            </a:r>
-            <a:r>
-              <a:rPr lang="pt-BR" dirty="0" smtClean="0"/>
-              <a:t>Software </a:t>
-            </a:r>
-            <a:r>
-              <a:rPr lang="pt-BR" dirty="0" smtClean="0"/>
-              <a:t>Professor </a:t>
+              <a:t>Gestão de Portfólios e Projetos de Software Professor </a:t>
             </a:r>
             <a:r>
               <a:rPr lang="pt-BR" dirty="0" err="1" smtClean="0"/>
@@ -5692,105 +6234,83 @@
           <a:lstStyle/>
           <a:p>
             <a:r>
+              <a:rPr lang="pt-BR" dirty="0" smtClean="0">
+                <a:latin typeface="Arial" pitchFamily="34" charset="0"/>
+                <a:cs typeface="Arial" pitchFamily="34" charset="0"/>
+              </a:rPr>
+              <a:t>Resultados Esperados</a:t>
+            </a:r>
+            <a:endParaRPr lang="pt-BR" dirty="0">
+              <a:latin typeface="Arial" pitchFamily="34" charset="0"/>
+              <a:cs typeface="Arial" pitchFamily="34" charset="0"/>
+            </a:endParaRPr>
+          </a:p>
+        </p:txBody>
+      </p:sp>
+      <p:sp>
+        <p:nvSpPr>
+          <p:cNvPr id="3" name="Espaço Reservado para Conteúdo 2"/>
+          <p:cNvSpPr>
+            <a:spLocks noGrp="1"/>
+          </p:cNvSpPr>
+          <p:nvPr>
+            <p:ph idx="1"/>
+          </p:nvPr>
+        </p:nvSpPr>
+        <p:spPr>
+          <a:xfrm>
+            <a:off x="395536" y="1772816"/>
+            <a:ext cx="8229600" cy="4525963"/>
+          </a:xfrm>
+        </p:spPr>
+        <p:txBody>
+          <a:bodyPr/>
+          <a:lstStyle/>
+          <a:p>
+            <a:r>
               <a:rPr lang="pt-BR" dirty="0" smtClean="0"/>
-              <a:t>Resultados Atingidos</a:t>
-            </a:r>
-            <a:endParaRPr lang="pt-BR" dirty="0"/>
-          </a:p>
-        </p:txBody>
-      </p:sp>
-      <p:sp>
-        <p:nvSpPr>
-          <p:cNvPr id="3" name="Espaço Reservado para Conteúdo 2"/>
-          <p:cNvSpPr>
-            <a:spLocks noGrp="1"/>
-          </p:cNvSpPr>
-          <p:nvPr>
-            <p:ph idx="1"/>
-          </p:nvPr>
-        </p:nvSpPr>
-        <p:spPr>
-          <a:xfrm>
-            <a:off x="467544" y="1772816"/>
-            <a:ext cx="8229600" cy="4525963"/>
-          </a:xfrm>
-        </p:spPr>
-        <p:txBody>
-          <a:bodyPr/>
-          <a:lstStyle/>
-          <a:p>
+              <a:t>Criar indicadores do projeto baseando-os na </a:t>
+            </a:r>
             <a:r>
               <a:rPr lang="pt-BR" dirty="0" smtClean="0"/>
-              <a:t>Repositório solido, com aplicações de gerência de configuraç</a:t>
+              <a:t>gerência </a:t>
             </a:r>
             <a:r>
               <a:rPr lang="pt-BR" dirty="0" smtClean="0"/>
-              <a:t>ão</a:t>
-            </a:r>
-          </a:p>
-          <a:p>
+              <a:t>de </a:t>
+            </a:r>
+            <a:r>
+              <a:rPr lang="pt-BR" dirty="0" smtClean="0"/>
+              <a:t>projetos;</a:t>
+            </a:r>
+            <a:endParaRPr lang="pt-BR" dirty="0" smtClean="0"/>
+          </a:p>
+          <a:p>
+            <a:r>
+              <a:rPr lang="pt-BR" dirty="0" smtClean="0"/>
+              <a:t>Criar uma EAP dentro do </a:t>
+            </a:r>
+            <a:r>
+              <a:rPr lang="pt-BR" dirty="0" err="1" smtClean="0"/>
+              <a:t>d</a:t>
+            </a:r>
+            <a:r>
+              <a:rPr lang="pt-BR" dirty="0" err="1" smtClean="0"/>
+              <a:t>otProject</a:t>
+            </a:r>
+            <a:r>
+              <a:rPr lang="pt-BR" dirty="0" smtClean="0"/>
+              <a:t>, obedecendo os critérios de aceitação do </a:t>
+            </a:r>
             <a:r>
               <a:rPr lang="en-US" dirty="0" smtClean="0"/>
-              <a:t>Site com o </a:t>
-            </a:r>
-            <a:r>
-              <a:rPr lang="pt-BR" dirty="0" smtClean="0"/>
-              <a:t>projeto</a:t>
+              <a:t>product </a:t>
             </a:r>
             <a:r>
               <a:rPr lang="en-US" dirty="0" smtClean="0"/>
-              <a:t> </a:t>
-            </a:r>
-            <a:r>
-              <a:rPr lang="en-US" dirty="0" err="1" smtClean="0"/>
-              <a:t>hospedado</a:t>
-            </a:r>
-            <a:r>
-              <a:rPr lang="en-US" dirty="0" smtClean="0"/>
-              <a:t> </a:t>
-            </a:r>
-            <a:r>
-              <a:rPr lang="en-US" dirty="0" err="1" smtClean="0"/>
-              <a:t>na</a:t>
-            </a:r>
-            <a:r>
-              <a:rPr lang="en-US" dirty="0" smtClean="0"/>
-              <a:t> internet</a:t>
-            </a:r>
-          </a:p>
-          <a:p>
-            <a:r>
-              <a:rPr lang="en-US" dirty="0" err="1" smtClean="0"/>
-              <a:t>Criada</a:t>
-            </a:r>
-            <a:r>
-              <a:rPr lang="en-US" dirty="0" smtClean="0"/>
-              <a:t> </a:t>
-            </a:r>
-            <a:r>
-              <a:rPr lang="en-US" dirty="0" err="1" smtClean="0"/>
-              <a:t>uma</a:t>
-            </a:r>
-            <a:r>
-              <a:rPr lang="en-US" dirty="0" smtClean="0"/>
-              <a:t> EAP </a:t>
-            </a:r>
-            <a:r>
-              <a:rPr lang="en-US" dirty="0" err="1" smtClean="0"/>
-              <a:t>dentro</a:t>
-            </a:r>
-            <a:r>
-              <a:rPr lang="en-US" dirty="0" smtClean="0"/>
-              <a:t> do </a:t>
-            </a:r>
-            <a:r>
-              <a:rPr lang="en-US" dirty="0" err="1" smtClean="0"/>
-              <a:t>DotProject</a:t>
-            </a:r>
-            <a:endParaRPr lang="pt-BR" dirty="0" smtClean="0"/>
-          </a:p>
-          <a:p>
-            <a:endParaRPr lang="pt-BR" dirty="0"/>
+              <a:t>owner;</a:t>
+            </a:r>
+            <a:endParaRPr lang="en-US" dirty="0"/>
           </a:p>
         </p:txBody>
       </p:sp>
@@ -5811,6 +6331,7 @@
           <a:p>
             <a:fld id="{20AE8CE9-7D6B-48A1-9568-F9C6965C27DC}" type="slidenum">
               <a:rPr lang="pt-BR" smtClean="0"/>
+              <a:pPr/>
               <a:t>6</a:t>
             </a:fld>
             <a:endParaRPr lang="pt-BR"/>
@@ -5834,7 +6355,7 @@
           <a:p>
             <a:r>
               <a:rPr lang="pt-BR" dirty="0" smtClean="0"/>
-              <a:t>Gestão de Portfólios e Projetos de Software – Professor </a:t>
+              <a:t>Gestão de Portfólios e Projetos de Software Professor </a:t>
             </a:r>
             <a:r>
               <a:rPr lang="pt-BR" dirty="0" err="1" smtClean="0"/>
@@ -5958,61 +6479,112 @@
           <a:lstStyle/>
           <a:p>
             <a:r>
+              <a:rPr lang="pt-BR" dirty="0" smtClean="0">
+                <a:latin typeface="Arial" pitchFamily="34" charset="0"/>
+                <a:cs typeface="Arial" pitchFamily="34" charset="0"/>
+              </a:rPr>
+              <a:t>Resultados Atingidos</a:t>
+            </a:r>
+            <a:endParaRPr lang="pt-BR" dirty="0">
+              <a:latin typeface="Arial" pitchFamily="34" charset="0"/>
+              <a:cs typeface="Arial" pitchFamily="34" charset="0"/>
+            </a:endParaRPr>
+          </a:p>
+        </p:txBody>
+      </p:sp>
+      <p:sp>
+        <p:nvSpPr>
+          <p:cNvPr id="3" name="Espaço Reservado para Conteúdo 2"/>
+          <p:cNvSpPr>
+            <a:spLocks noGrp="1"/>
+          </p:cNvSpPr>
+          <p:nvPr>
+            <p:ph idx="1"/>
+          </p:nvPr>
+        </p:nvSpPr>
+        <p:spPr>
+          <a:xfrm>
+            <a:off x="467544" y="1772816"/>
+            <a:ext cx="8229600" cy="4525963"/>
+          </a:xfrm>
+        </p:spPr>
+        <p:txBody>
+          <a:bodyPr/>
+          <a:lstStyle/>
+          <a:p>
+            <a:r>
               <a:rPr lang="pt-BR" dirty="0" smtClean="0"/>
-              <a:t>Dificuldades</a:t>
-            </a:r>
+              <a:t>Repositório solido, com aplicações de gerência de configuração</a:t>
+            </a:r>
+          </a:p>
+          <a:p>
+            <a:r>
+              <a:rPr lang="en-US" dirty="0" smtClean="0"/>
+              <a:t>Site com o </a:t>
+            </a:r>
+            <a:r>
+              <a:rPr lang="pt-BR" dirty="0" smtClean="0"/>
+              <a:t>projeto</a:t>
+            </a:r>
+            <a:r>
+              <a:rPr lang="en-US" dirty="0" smtClean="0"/>
+              <a:t> </a:t>
+            </a:r>
+            <a:r>
+              <a:rPr lang="en-US" dirty="0" err="1" smtClean="0"/>
+              <a:t>hospedado</a:t>
+            </a:r>
+            <a:r>
+              <a:rPr lang="en-US" dirty="0" smtClean="0"/>
+              <a:t> </a:t>
+            </a:r>
+            <a:r>
+              <a:rPr lang="en-US" dirty="0" err="1" smtClean="0"/>
+              <a:t>na</a:t>
+            </a:r>
+            <a:r>
+              <a:rPr lang="en-US" dirty="0" smtClean="0"/>
+              <a:t> internet</a:t>
+            </a:r>
+          </a:p>
+          <a:p>
+            <a:r>
+              <a:rPr lang="en-US" dirty="0" err="1" smtClean="0"/>
+              <a:t>Criada</a:t>
+            </a:r>
+            <a:r>
+              <a:rPr lang="en-US" dirty="0" smtClean="0"/>
+              <a:t> </a:t>
+            </a:r>
+            <a:r>
+              <a:rPr lang="en-US" dirty="0" err="1" smtClean="0"/>
+              <a:t>uma</a:t>
+            </a:r>
+            <a:r>
+              <a:rPr lang="en-US" dirty="0" smtClean="0"/>
+              <a:t> EAP </a:t>
+            </a:r>
+            <a:r>
+              <a:rPr lang="en-US" dirty="0" err="1" smtClean="0"/>
+              <a:t>dentro</a:t>
+            </a:r>
+            <a:r>
+              <a:rPr lang="en-US" dirty="0" smtClean="0"/>
+              <a:t> do </a:t>
+            </a:r>
+            <a:r>
+              <a:rPr lang="en-US" dirty="0" err="1" smtClean="0"/>
+              <a:t>DotProject</a:t>
+            </a:r>
+            <a:endParaRPr lang="pt-BR" dirty="0" smtClean="0"/>
+          </a:p>
+          <a:p>
             <a:endParaRPr lang="pt-BR" dirty="0"/>
           </a:p>
         </p:txBody>
       </p:sp>
       <p:sp>
         <p:nvSpPr>
-          <p:cNvPr id="3" name="Espaço Reservado para Conteúdo 2"/>
-          <p:cNvSpPr>
-            <a:spLocks noGrp="1"/>
-          </p:cNvSpPr>
-          <p:nvPr>
-            <p:ph idx="1"/>
-          </p:nvPr>
-        </p:nvSpPr>
-        <p:spPr>
-          <a:xfrm>
-            <a:off x="395536" y="1844824"/>
-            <a:ext cx="8229600" cy="4525963"/>
-          </a:xfrm>
-        </p:spPr>
-        <p:txBody>
-          <a:bodyPr/>
-          <a:lstStyle/>
-          <a:p>
-            <a:r>
-              <a:rPr lang="pt-BR" dirty="0" smtClean="0"/>
-              <a:t>Trabalho em grupo</a:t>
-            </a:r>
-          </a:p>
-          <a:p>
-            <a:r>
-              <a:rPr lang="pt-BR" dirty="0" smtClean="0"/>
-              <a:t>Entender as necessidades do </a:t>
-            </a:r>
-            <a:r>
-              <a:rPr lang="pt-BR" dirty="0" err="1" smtClean="0"/>
-              <a:t>product</a:t>
-            </a:r>
-            <a:r>
-              <a:rPr lang="pt-BR" dirty="0" smtClean="0"/>
-              <a:t> </a:t>
-            </a:r>
-            <a:r>
-              <a:rPr lang="pt-BR" dirty="0" err="1" smtClean="0"/>
-              <a:t>owner</a:t>
-            </a:r>
-            <a:endParaRPr lang="pt-BR" dirty="0"/>
-          </a:p>
-        </p:txBody>
-      </p:sp>
-      <p:sp>
-        <p:nvSpPr>
           <p:cNvPr id="4" name="Espaço Reservado para Número de Slide 3"/>
           <p:cNvSpPr>
             <a:spLocks noGrp="1"/>
@@ -6028,6 +6600,7 @@
           <a:p>
             <a:fld id="{20AE8CE9-7D6B-48A1-9568-F9C6965C27DC}" type="slidenum">
               <a:rPr lang="pt-BR" smtClean="0"/>
+              <a:pPr/>
               <a:t>7</a:t>
             </a:fld>
             <a:endParaRPr lang="pt-BR"/>
@@ -6175,21 +6748,51 @@
           <a:lstStyle/>
           <a:p>
             <a:r>
-              <a:rPr lang="pt-BR" dirty="0" smtClean="0"/>
-              <a:t>Decisões Erradas</a:t>
-            </a:r>
+              <a:rPr lang="pt-BR" dirty="0" smtClean="0">
+                <a:latin typeface="Arial" pitchFamily="34" charset="0"/>
+                <a:cs typeface="Arial" pitchFamily="34" charset="0"/>
+              </a:rPr>
+              <a:t>Resultado do Produto</a:t>
+            </a:r>
+            <a:endParaRPr lang="pt-BR" dirty="0">
+              <a:latin typeface="Arial" pitchFamily="34" charset="0"/>
+              <a:cs typeface="Arial" pitchFamily="34" charset="0"/>
+            </a:endParaRPr>
+          </a:p>
+        </p:txBody>
+      </p:sp>
+      <p:sp>
+        <p:nvSpPr>
+          <p:cNvPr id="3" name="Espaço Reservado para Conteúdo 2"/>
+          <p:cNvSpPr>
+            <a:spLocks noGrp="1"/>
+          </p:cNvSpPr>
+          <p:nvPr>
+            <p:ph idx="1"/>
+          </p:nvPr>
+        </p:nvSpPr>
+        <p:spPr>
+          <a:xfrm>
+            <a:off x="467544" y="1772816"/>
+            <a:ext cx="8229600" cy="4525963"/>
+          </a:xfrm>
+        </p:spPr>
+        <p:txBody>
+          <a:bodyPr/>
+          <a:lstStyle/>
+          <a:p>
             <a:endParaRPr lang="pt-BR" dirty="0"/>
           </a:p>
         </p:txBody>
       </p:sp>
       <p:sp>
         <p:nvSpPr>
-          <p:cNvPr id="3" name="Espaço Reservado para Conteúdo 2"/>
-          <p:cNvSpPr>
-            <a:spLocks noGrp="1"/>
-          </p:cNvSpPr>
-          <p:nvPr>
-            <p:ph idx="1"/>
+          <p:cNvPr id="4" name="Espaço Reservado para Número de Slide 3"/>
+          <p:cNvSpPr>
+            <a:spLocks noGrp="1"/>
+          </p:cNvSpPr>
+          <p:nvPr>
+            <p:ph type="sldNum" sz="quarter" idx="12"/>
           </p:nvPr>
         </p:nvSpPr>
         <p:spPr/>
@@ -6197,27 +6800,9 @@
           <a:bodyPr/>
           <a:lstStyle/>
           <a:p>
-            <a:endParaRPr lang="pt-BR" dirty="0"/>
-          </a:p>
-        </p:txBody>
-      </p:sp>
-      <p:sp>
-        <p:nvSpPr>
-          <p:cNvPr id="4" name="Espaço Reservado para Número de Slide 3"/>
-          <p:cNvSpPr>
-            <a:spLocks noGrp="1"/>
-          </p:cNvSpPr>
-          <p:nvPr>
-            <p:ph type="sldNum" sz="quarter" idx="12"/>
-          </p:nvPr>
-        </p:nvSpPr>
-        <p:spPr/>
-        <p:txBody>
-          <a:bodyPr/>
-          <a:lstStyle/>
-          <a:p>
             <a:fld id="{20AE8CE9-7D6B-48A1-9568-F9C6965C27DC}" type="slidenum">
               <a:rPr lang="pt-BR" smtClean="0"/>
+              <a:pPr/>
               <a:t>8</a:t>
             </a:fld>
             <a:endParaRPr lang="pt-BR"/>
@@ -6310,6 +6895,79 @@
             <a:tailEnd/>
           </a:ln>
           <a:effectLst/>
+        </p:spPr>
+      </p:pic>
+      <p:pic>
+        <p:nvPicPr>
+          <p:cNvPr id="8" name="Picture 3"/>
+          <p:cNvPicPr>
+            <a:picLocks noChangeAspect="1" noChangeArrowheads="1"/>
+          </p:cNvPicPr>
+          <p:nvPr/>
+        </p:nvPicPr>
+        <p:blipFill>
+          <a:blip r:embed="rId4" cstate="print">
+            <a:duotone>
+              <a:schemeClr val="bg2">
+                <a:shade val="45000"/>
+                <a:satMod val="135000"/>
+              </a:schemeClr>
+              <a:prstClr val="white"/>
+            </a:duotone>
+            <a:lum/>
+          </a:blip>
+          <a:srcRect/>
+          <a:stretch>
+            <a:fillRect/>
+          </a:stretch>
+        </p:blipFill>
+        <p:spPr bwMode="auto">
+          <a:xfrm rot="20436654">
+            <a:off x="341352" y="2046418"/>
+            <a:ext cx="2990355" cy="2777225"/>
+          </a:xfrm>
+          <a:prstGeom prst="rect">
+            <a:avLst/>
+          </a:prstGeom>
+          <a:noFill/>
+          <a:ln w="9525">
+            <a:noFill/>
+            <a:miter lim="800000"/>
+            <a:headEnd/>
+            <a:tailEnd/>
+          </a:ln>
+        </p:spPr>
+      </p:pic>
+      <p:pic>
+        <p:nvPicPr>
+          <p:cNvPr id="9" name="Picture 4"/>
+          <p:cNvPicPr>
+            <a:picLocks noChangeAspect="1" noChangeArrowheads="1"/>
+          </p:cNvPicPr>
+          <p:nvPr/>
+        </p:nvPicPr>
+        <p:blipFill>
+          <a:blip r:embed="rId5" cstate="print"/>
+          <a:srcRect/>
+          <a:stretch>
+            <a:fillRect/>
+          </a:stretch>
+        </p:blipFill>
+        <p:spPr bwMode="auto">
+          <a:xfrm rot="20520554">
+            <a:off x="2443278" y="3088306"/>
+            <a:ext cx="6546465" cy="2271613"/>
+          </a:xfrm>
+          <a:prstGeom prst="rect">
+            <a:avLst/>
+          </a:prstGeom>
+          <a:noFill/>
+          <a:ln w="9525">
+            <a:noFill/>
+            <a:miter lim="800000"/>
+            <a:headEnd/>
+            <a:tailEnd/>
+          </a:ln>
         </p:spPr>
       </p:pic>
     </p:spTree>
@@ -6366,7 +7024,7 @@
           <a:p>
             <a:r>
               <a:rPr lang="pt-BR" dirty="0" smtClean="0"/>
-              <a:t>Êxitos</a:t>
+              <a:t>Dificuldades</a:t>
             </a:r>
             <a:endParaRPr lang="pt-BR" dirty="0"/>
           </a:p>
@@ -6382,32 +7040,60 @@
             <p:ph idx="1"/>
           </p:nvPr>
         </p:nvSpPr>
+        <p:spPr>
+          <a:xfrm>
+            <a:off x="395536" y="1844824"/>
+            <a:ext cx="8229600" cy="4525963"/>
+          </a:xfrm>
+        </p:spPr>
+        <p:txBody>
+          <a:bodyPr/>
+          <a:lstStyle/>
+          <a:p>
+            <a:r>
+              <a:rPr lang="pt-BR" dirty="0" smtClean="0"/>
+              <a:t>Trabalho em grupo</a:t>
+            </a:r>
+          </a:p>
+          <a:p>
+            <a:r>
+              <a:rPr lang="pt-BR" dirty="0" smtClean="0"/>
+              <a:t>Entender as necessidades do </a:t>
+            </a:r>
+            <a:r>
+              <a:rPr lang="pt-BR" dirty="0" err="1" smtClean="0"/>
+              <a:t>product</a:t>
+            </a:r>
+            <a:r>
+              <a:rPr lang="pt-BR" dirty="0" smtClean="0"/>
+              <a:t> </a:t>
+            </a:r>
+            <a:r>
+              <a:rPr lang="pt-BR" dirty="0" err="1" smtClean="0"/>
+              <a:t>owner</a:t>
+            </a:r>
+            <a:endParaRPr lang="pt-BR" dirty="0"/>
+          </a:p>
+        </p:txBody>
+      </p:sp>
+      <p:sp>
+        <p:nvSpPr>
+          <p:cNvPr id="4" name="Espaço Reservado para Número de Slide 3"/>
+          <p:cNvSpPr>
+            <a:spLocks noGrp="1"/>
+          </p:cNvSpPr>
+          <p:nvPr>
+            <p:ph type="sldNum" sz="quarter" idx="12"/>
+          </p:nvPr>
+        </p:nvSpPr>
         <p:spPr/>
         <p:txBody>
           <a:bodyPr/>
           <a:lstStyle/>
           <a:p>
-            <a:endParaRPr lang="pt-BR" dirty="0"/>
-          </a:p>
-        </p:txBody>
-      </p:sp>
-      <p:sp>
-        <p:nvSpPr>
-          <p:cNvPr id="4" name="Espaço Reservado para Número de Slide 3"/>
-          <p:cNvSpPr>
-            <a:spLocks noGrp="1"/>
-          </p:cNvSpPr>
-          <p:nvPr>
-            <p:ph type="sldNum" sz="quarter" idx="12"/>
-          </p:nvPr>
-        </p:nvSpPr>
-        <p:spPr/>
-        <p:txBody>
-          <a:bodyPr/>
-          <a:lstStyle/>
-          <a:p>
             <a:fld id="{20AE8CE9-7D6B-48A1-9568-F9C6965C27DC}" type="slidenum">
               <a:rPr lang="pt-BR" smtClean="0"/>
+              <a:pPr/>
               <a:t>9</a:t>
             </a:fld>
             <a:endParaRPr lang="pt-BR"/>
